--- a/MA_files/MA-Präsentation_Charlotte_Strang.pptx
+++ b/MA_files/MA-Präsentation_Charlotte_Strang.pptx
@@ -10,8 +10,13 @@
     <p:sldId id="258" r:id="rId4"/>
     <p:sldId id="259" r:id="rId5"/>
     <p:sldId id="260" r:id="rId6"/>
-    <p:sldId id="261" r:id="rId7"/>
-    <p:sldId id="262" r:id="rId8"/>
+    <p:sldId id="265" r:id="rId7"/>
+    <p:sldId id="264" r:id="rId8"/>
+    <p:sldId id="263" r:id="rId9"/>
+    <p:sldId id="266" r:id="rId10"/>
+    <p:sldId id="267" r:id="rId11"/>
+    <p:sldId id="261" r:id="rId12"/>
+    <p:sldId id="262" r:id="rId13"/>
   </p:sldIdLst>
   <p:sldSz cx="12192000" cy="6858000"/>
   <p:notesSz cx="6858000" cy="9144000"/>
@@ -110,6 +115,11 @@
       </a:defRPr>
     </a:lvl9pPr>
   </p:defaultTextStyle>
+  <p:extLst>
+    <p:ext uri="{EFAFB233-063F-42B5-8137-9DF3F51BA10A}">
+      <p15:sldGuideLst xmlns:p15="http://schemas.microsoft.com/office/powerpoint/2012/main"/>
+    </p:ext>
+  </p:extLst>
 </p:presentation>
 </file>
 
@@ -3732,6 +3742,311 @@
 </p:sld>
 </file>
 
+<file path=ppt/slides/slide10.xml><?xml version="1.0" encoding="utf-8"?>
+<p:sld xmlns:a="http://schemas.openxmlformats.org/drawingml/2006/main" xmlns:r="http://schemas.openxmlformats.org/officeDocument/2006/relationships" xmlns:p="http://schemas.openxmlformats.org/presentationml/2006/main">
+  <p:cSld>
+    <p:spTree>
+      <p:nvGrpSpPr>
+        <p:cNvPr id="1" name="">
+          <a:extLst>
+            <a:ext uri="{FF2B5EF4-FFF2-40B4-BE49-F238E27FC236}">
+              <a16:creationId xmlns:a16="http://schemas.microsoft.com/office/drawing/2014/main" id="{912745BC-3BD4-5E3D-40F3-49815268BF70}"/>
+            </a:ext>
+          </a:extLst>
+        </p:cNvPr>
+        <p:cNvGrpSpPr/>
+        <p:nvPr/>
+      </p:nvGrpSpPr>
+      <p:grpSpPr>
+        <a:xfrm>
+          <a:off x="0" y="0"/>
+          <a:ext cx="0" cy="0"/>
+          <a:chOff x="0" y="0"/>
+          <a:chExt cx="0" cy="0"/>
+        </a:xfrm>
+      </p:grpSpPr>
+      <p:sp>
+        <p:nvSpPr>
+          <p:cNvPr id="2" name="Titel 1">
+            <a:extLst>
+              <a:ext uri="{FF2B5EF4-FFF2-40B4-BE49-F238E27FC236}">
+                <a16:creationId xmlns:a16="http://schemas.microsoft.com/office/drawing/2014/main" id="{DE0BBEA7-91B6-CC66-E59A-60F9EB6317DE}"/>
+              </a:ext>
+            </a:extLst>
+          </p:cNvPr>
+          <p:cNvSpPr>
+            <a:spLocks noGrp="1"/>
+          </p:cNvSpPr>
+          <p:nvPr>
+            <p:ph type="title"/>
+          </p:nvPr>
+        </p:nvSpPr>
+        <p:spPr/>
+        <p:txBody>
+          <a:bodyPr/>
+          <a:lstStyle/>
+          <a:p>
+            <a:r>
+              <a:rPr lang="de-DE" dirty="0">
+                <a:solidFill>
+                  <a:schemeClr val="tx2">
+                    <a:lumMod val="75000"/>
+                    <a:lumOff val="25000"/>
+                  </a:schemeClr>
+                </a:solidFill>
+                <a:latin typeface="Palatino Linotype" panose="02040502050505030304" pitchFamily="18" charset="0"/>
+              </a:rPr>
+              <a:t>Evaluation der Ergebnisse</a:t>
+            </a:r>
+          </a:p>
+        </p:txBody>
+      </p:sp>
+      <p:sp>
+        <p:nvSpPr>
+          <p:cNvPr id="3" name="Inhaltsplatzhalter 2">
+            <a:extLst>
+              <a:ext uri="{FF2B5EF4-FFF2-40B4-BE49-F238E27FC236}">
+                <a16:creationId xmlns:a16="http://schemas.microsoft.com/office/drawing/2014/main" id="{0C2629DE-FBAA-20C1-C399-8D52A0817BD3}"/>
+              </a:ext>
+            </a:extLst>
+          </p:cNvPr>
+          <p:cNvSpPr>
+            <a:spLocks noGrp="1"/>
+          </p:cNvSpPr>
+          <p:nvPr>
+            <p:ph idx="1"/>
+          </p:nvPr>
+        </p:nvSpPr>
+        <p:spPr/>
+        <p:txBody>
+          <a:bodyPr>
+            <a:normAutofit/>
+          </a:bodyPr>
+          <a:lstStyle/>
+          <a:p>
+            <a:pPr marL="0" indent="0">
+              <a:buNone/>
+            </a:pPr>
+            <a:r>
+              <a:rPr lang="de-DE" sz="2000" dirty="0">
+                <a:latin typeface="Palatino Linotype" panose="02040502050505030304" pitchFamily="18" charset="0"/>
+              </a:rPr>
+              <a:t>F4: PID?</a:t>
+            </a:r>
+          </a:p>
+        </p:txBody>
+      </p:sp>
+    </p:spTree>
+    <p:extLst>
+      <p:ext uri="{BB962C8B-B14F-4D97-AF65-F5344CB8AC3E}">
+        <p14:creationId xmlns:p14="http://schemas.microsoft.com/office/powerpoint/2010/main" val="1396644985"/>
+      </p:ext>
+    </p:extLst>
+  </p:cSld>
+  <p:clrMapOvr>
+    <a:masterClrMapping/>
+  </p:clrMapOvr>
+</p:sld>
+</file>
+
+<file path=ppt/slides/slide11.xml><?xml version="1.0" encoding="utf-8"?>
+<p:sld xmlns:a="http://schemas.openxmlformats.org/drawingml/2006/main" xmlns:r="http://schemas.openxmlformats.org/officeDocument/2006/relationships" xmlns:p="http://schemas.openxmlformats.org/presentationml/2006/main">
+  <p:cSld>
+    <p:spTree>
+      <p:nvGrpSpPr>
+        <p:cNvPr id="1" name="">
+          <a:extLst>
+            <a:ext uri="{FF2B5EF4-FFF2-40B4-BE49-F238E27FC236}">
+              <a16:creationId xmlns:a16="http://schemas.microsoft.com/office/drawing/2014/main" id="{75990C3C-03AD-6C1D-2C7C-39BBBFFD17D5}"/>
+            </a:ext>
+          </a:extLst>
+        </p:cNvPr>
+        <p:cNvGrpSpPr/>
+        <p:nvPr/>
+      </p:nvGrpSpPr>
+      <p:grpSpPr>
+        <a:xfrm>
+          <a:off x="0" y="0"/>
+          <a:ext cx="0" cy="0"/>
+          <a:chOff x="0" y="0"/>
+          <a:chExt cx="0" cy="0"/>
+        </a:xfrm>
+      </p:grpSpPr>
+      <p:sp>
+        <p:nvSpPr>
+          <p:cNvPr id="2" name="Titel 1">
+            <a:extLst>
+              <a:ext uri="{FF2B5EF4-FFF2-40B4-BE49-F238E27FC236}">
+                <a16:creationId xmlns:a16="http://schemas.microsoft.com/office/drawing/2014/main" id="{A6EEC2C2-04E0-F470-6047-D32900D3FEFF}"/>
+              </a:ext>
+            </a:extLst>
+          </p:cNvPr>
+          <p:cNvSpPr>
+            <a:spLocks noGrp="1"/>
+          </p:cNvSpPr>
+          <p:nvPr>
+            <p:ph type="title"/>
+          </p:nvPr>
+        </p:nvSpPr>
+        <p:spPr/>
+        <p:txBody>
+          <a:bodyPr/>
+          <a:lstStyle/>
+          <a:p>
+            <a:r>
+              <a:rPr lang="de-DE" dirty="0">
+                <a:solidFill>
+                  <a:schemeClr val="tx2">
+                    <a:lumMod val="75000"/>
+                    <a:lumOff val="25000"/>
+                  </a:schemeClr>
+                </a:solidFill>
+                <a:latin typeface="Palatino Linotype" panose="02040502050505030304" pitchFamily="18" charset="0"/>
+              </a:rPr>
+              <a:t>Ausblick</a:t>
+            </a:r>
+          </a:p>
+        </p:txBody>
+      </p:sp>
+      <p:sp>
+        <p:nvSpPr>
+          <p:cNvPr id="3" name="Inhaltsplatzhalter 2">
+            <a:extLst>
+              <a:ext uri="{FF2B5EF4-FFF2-40B4-BE49-F238E27FC236}">
+                <a16:creationId xmlns:a16="http://schemas.microsoft.com/office/drawing/2014/main" id="{C2EEA76E-58C8-F053-CB37-67E3346B5441}"/>
+              </a:ext>
+            </a:extLst>
+          </p:cNvPr>
+          <p:cNvSpPr>
+            <a:spLocks noGrp="1"/>
+          </p:cNvSpPr>
+          <p:nvPr>
+            <p:ph idx="1"/>
+          </p:nvPr>
+        </p:nvSpPr>
+        <p:spPr/>
+        <p:txBody>
+          <a:bodyPr/>
+          <a:lstStyle/>
+          <a:p>
+            <a:endParaRPr lang="de-DE" dirty="0">
+              <a:latin typeface="Palatino Linotype" panose="02040502050505030304" pitchFamily="18" charset="0"/>
+            </a:endParaRPr>
+          </a:p>
+        </p:txBody>
+      </p:sp>
+    </p:spTree>
+    <p:extLst>
+      <p:ext uri="{BB962C8B-B14F-4D97-AF65-F5344CB8AC3E}">
+        <p14:creationId xmlns:p14="http://schemas.microsoft.com/office/powerpoint/2010/main" val="846518222"/>
+      </p:ext>
+    </p:extLst>
+  </p:cSld>
+  <p:clrMapOvr>
+    <a:masterClrMapping/>
+  </p:clrMapOvr>
+</p:sld>
+</file>
+
+<file path=ppt/slides/slide12.xml><?xml version="1.0" encoding="utf-8"?>
+<p:sld xmlns:a="http://schemas.openxmlformats.org/drawingml/2006/main" xmlns:r="http://schemas.openxmlformats.org/officeDocument/2006/relationships" xmlns:p="http://schemas.openxmlformats.org/presentationml/2006/main">
+  <p:cSld>
+    <p:spTree>
+      <p:nvGrpSpPr>
+        <p:cNvPr id="1" name="">
+          <a:extLst>
+            <a:ext uri="{FF2B5EF4-FFF2-40B4-BE49-F238E27FC236}">
+              <a16:creationId xmlns:a16="http://schemas.microsoft.com/office/drawing/2014/main" id="{F8FAFB55-25F7-CC82-A20E-9B93D51603A1}"/>
+            </a:ext>
+          </a:extLst>
+        </p:cNvPr>
+        <p:cNvGrpSpPr/>
+        <p:nvPr/>
+      </p:nvGrpSpPr>
+      <p:grpSpPr>
+        <a:xfrm>
+          <a:off x="0" y="0"/>
+          <a:ext cx="0" cy="0"/>
+          <a:chOff x="0" y="0"/>
+          <a:chExt cx="0" cy="0"/>
+        </a:xfrm>
+      </p:grpSpPr>
+      <p:sp>
+        <p:nvSpPr>
+          <p:cNvPr id="2" name="Titel 1">
+            <a:extLst>
+              <a:ext uri="{FF2B5EF4-FFF2-40B4-BE49-F238E27FC236}">
+                <a16:creationId xmlns:a16="http://schemas.microsoft.com/office/drawing/2014/main" id="{F4A8C653-9F0D-EFAB-1DAA-7D459058FB17}"/>
+              </a:ext>
+            </a:extLst>
+          </p:cNvPr>
+          <p:cNvSpPr>
+            <a:spLocks noGrp="1"/>
+          </p:cNvSpPr>
+          <p:nvPr>
+            <p:ph type="title"/>
+          </p:nvPr>
+        </p:nvSpPr>
+        <p:spPr/>
+        <p:txBody>
+          <a:bodyPr/>
+          <a:lstStyle/>
+          <a:p>
+            <a:r>
+              <a:rPr lang="de-DE" dirty="0">
+                <a:solidFill>
+                  <a:schemeClr val="tx2">
+                    <a:lumMod val="75000"/>
+                    <a:lumOff val="25000"/>
+                  </a:schemeClr>
+                </a:solidFill>
+                <a:latin typeface="Palatino Linotype" panose="02040502050505030304" pitchFamily="18" charset="0"/>
+              </a:rPr>
+              <a:t>Zusammenfassung</a:t>
+            </a:r>
+          </a:p>
+        </p:txBody>
+      </p:sp>
+      <p:sp>
+        <p:nvSpPr>
+          <p:cNvPr id="3" name="Inhaltsplatzhalter 2">
+            <a:extLst>
+              <a:ext uri="{FF2B5EF4-FFF2-40B4-BE49-F238E27FC236}">
+                <a16:creationId xmlns:a16="http://schemas.microsoft.com/office/drawing/2014/main" id="{CC38766A-25A0-43EC-773B-DFE17386355D}"/>
+              </a:ext>
+            </a:extLst>
+          </p:cNvPr>
+          <p:cNvSpPr>
+            <a:spLocks noGrp="1"/>
+          </p:cNvSpPr>
+          <p:nvPr>
+            <p:ph idx="1"/>
+          </p:nvPr>
+        </p:nvSpPr>
+        <p:spPr/>
+        <p:txBody>
+          <a:bodyPr/>
+          <a:lstStyle/>
+          <a:p>
+            <a:endParaRPr lang="de-DE" dirty="0">
+              <a:latin typeface="Palatino Linotype" panose="02040502050505030304" pitchFamily="18" charset="0"/>
+            </a:endParaRPr>
+          </a:p>
+        </p:txBody>
+      </p:sp>
+    </p:spTree>
+    <p:extLst>
+      <p:ext uri="{BB962C8B-B14F-4D97-AF65-F5344CB8AC3E}">
+        <p14:creationId xmlns:p14="http://schemas.microsoft.com/office/powerpoint/2010/main" val="1061711912"/>
+      </p:ext>
+    </p:extLst>
+  </p:cSld>
+  <p:clrMapOvr>
+    <a:masterClrMapping/>
+  </p:clrMapOvr>
+</p:sld>
+</file>
+
 <file path=ppt/slides/slide2.xml><?xml version="1.0" encoding="utf-8"?>
 <p:sld xmlns:a="http://schemas.openxmlformats.org/drawingml/2006/main" xmlns:r="http://schemas.openxmlformats.org/officeDocument/2006/relationships" xmlns:p="http://schemas.openxmlformats.org/presentationml/2006/main">
   <p:cSld>
@@ -3806,6 +4121,9 @@
           <a:bodyPr/>
           <a:lstStyle/>
           <a:p>
+            <a:pPr marL="0" indent="0">
+              <a:buNone/>
+            </a:pPr>
             <a:endParaRPr lang="de-DE" dirty="0">
               <a:latin typeface="Palatino Linotype" panose="02040502050505030304" pitchFamily="18" charset="0"/>
             </a:endParaRPr>
@@ -3879,7 +4197,7 @@
                 </a:solidFill>
                 <a:latin typeface="Palatino Linotype" panose="02040502050505030304" pitchFamily="18" charset="0"/>
               </a:rPr>
-              <a:t>Problemstellung</a:t>
+              <a:t>Problemstellung - Forschungsfragen</a:t>
             </a:r>
           </a:p>
         </p:txBody>
@@ -3902,12 +4220,123 @@
         </p:nvSpPr>
         <p:spPr/>
         <p:txBody>
-          <a:bodyPr/>
-          <a:lstStyle/>
-          <a:p>
+          <a:bodyPr>
+            <a:normAutofit fontScale="70000" lnSpcReduction="20000"/>
+          </a:bodyPr>
+          <a:lstStyle/>
+          <a:p>
+            <a:pPr marL="0" indent="0">
+              <a:buNone/>
+            </a:pPr>
+            <a:r>
+              <a:rPr lang="de-DE" dirty="0">
+                <a:latin typeface="Palatino Linotype" panose="02040502050505030304" pitchFamily="18" charset="0"/>
+              </a:rPr>
+              <a:t>F1: Inwieweit kann die Nutzung IMU-basierter Verfahren die Genauigkeit der Fahrsteuerung von Low-</a:t>
+            </a:r>
+            <a:r>
+              <a:rPr lang="de-DE" dirty="0" err="1">
+                <a:latin typeface="Palatino Linotype" panose="02040502050505030304" pitchFamily="18" charset="0"/>
+              </a:rPr>
+              <a:t>Cost</a:t>
+            </a:r>
+            <a:r>
+              <a:rPr lang="de-DE" dirty="0">
+                <a:latin typeface="Palatino Linotype" panose="02040502050505030304" pitchFamily="18" charset="0"/>
+              </a:rPr>
+              <a:t>-Robotern im Vergleich zur bisherigen motorbasierten Methode verbessern?</a:t>
+            </a:r>
+          </a:p>
+          <a:p>
+            <a:pPr marL="0" indent="0">
+              <a:buNone/>
+            </a:pPr>
             <a:endParaRPr lang="de-DE" dirty="0">
               <a:latin typeface="Palatino Linotype" panose="02040502050505030304" pitchFamily="18" charset="0"/>
             </a:endParaRPr>
+          </a:p>
+          <a:p>
+            <a:pPr marL="0" indent="0">
+              <a:buNone/>
+            </a:pPr>
+            <a:r>
+              <a:rPr lang="de-DE" dirty="0">
+                <a:latin typeface="Palatino Linotype" panose="02040502050505030304" pitchFamily="18" charset="0"/>
+              </a:rPr>
+              <a:t>F2: Fehler innerhalb der IMU</a:t>
+            </a:r>
+          </a:p>
+          <a:p>
+            <a:pPr marL="0" indent="0">
+              <a:buNone/>
+            </a:pPr>
+            <a:r>
+              <a:rPr lang="de-DE" dirty="0">
+                <a:latin typeface="Palatino Linotype" panose="02040502050505030304" pitchFamily="18" charset="0"/>
+              </a:rPr>
+              <a:t>	a) Wie wirkt sich Drift und Rauschen auf die IMU-basierte Steuerung aus?</a:t>
+            </a:r>
+          </a:p>
+          <a:p>
+            <a:pPr marL="0" indent="0">
+              <a:buNone/>
+            </a:pPr>
+            <a:r>
+              <a:rPr lang="de-DE" dirty="0">
+                <a:latin typeface="Palatino Linotype" panose="02040502050505030304" pitchFamily="18" charset="0"/>
+              </a:rPr>
+              <a:t>	b) Wie können diese Messfehler durch Kalibrierung und Filtermethoden minimiert 	werden?</a:t>
+            </a:r>
+          </a:p>
+          <a:p>
+            <a:pPr marL="0" indent="0">
+              <a:buNone/>
+            </a:pPr>
+            <a:endParaRPr lang="de-DE" dirty="0">
+              <a:latin typeface="Palatino Linotype" panose="02040502050505030304" pitchFamily="18" charset="0"/>
+            </a:endParaRPr>
+          </a:p>
+          <a:p>
+            <a:pPr marL="0" indent="0">
+              <a:buNone/>
+            </a:pPr>
+            <a:r>
+              <a:rPr lang="de-DE" dirty="0">
+                <a:latin typeface="Palatino Linotype" panose="02040502050505030304" pitchFamily="18" charset="0"/>
+              </a:rPr>
+              <a:t>F3: Kann der </a:t>
+            </a:r>
+            <a:r>
+              <a:rPr lang="de-DE" dirty="0" err="1">
+                <a:latin typeface="Palatino Linotype" panose="02040502050505030304" pitchFamily="18" charset="0"/>
+              </a:rPr>
+              <a:t>Madgwick</a:t>
+            </a:r>
+            <a:r>
+              <a:rPr lang="de-DE" dirty="0">
+                <a:latin typeface="Palatino Linotype" panose="02040502050505030304" pitchFamily="18" charset="0"/>
+              </a:rPr>
+              <a:t>-Algorithmus in Echtzeit präzise Kurskorrekturen durchführen und dabei eine höhere Steuerungsgenauigkeit als die reine Integration der IMU-Daten erreichen, ohne die Bewegungen des Roboters signifikant zu verlangsamen?</a:t>
+            </a:r>
+          </a:p>
+          <a:p>
+            <a:pPr marL="0" indent="0">
+              <a:buNone/>
+            </a:pPr>
+            <a:endParaRPr lang="de-DE" dirty="0">
+              <a:latin typeface="Palatino Linotype" panose="02040502050505030304" pitchFamily="18" charset="0"/>
+            </a:endParaRPr>
+          </a:p>
+          <a:p>
+            <a:pPr marL="0" indent="0">
+              <a:buNone/>
+            </a:pPr>
+            <a:r>
+              <a:rPr lang="de-DE" dirty="0">
+                <a:latin typeface="Palatino Linotype" panose="02040502050505030304" pitchFamily="18" charset="0"/>
+              </a:rPr>
+              <a:t>F4: PID?</a:t>
+            </a:r>
           </a:p>
         </p:txBody>
       </p:sp>
@@ -4130,7 +4559,7 @@
         <p:cNvPr id="1" name="">
           <a:extLst>
             <a:ext uri="{FF2B5EF4-FFF2-40B4-BE49-F238E27FC236}">
-              <a16:creationId xmlns:a16="http://schemas.microsoft.com/office/drawing/2014/main" id="{75990C3C-03AD-6C1D-2C7C-39BBBFFD17D5}"/>
+              <a16:creationId xmlns:a16="http://schemas.microsoft.com/office/drawing/2014/main" id="{EEDB48FE-E467-B2E2-E12D-DFE9DF8CA46A}"/>
             </a:ext>
           </a:extLst>
         </p:cNvPr>
@@ -4150,7 +4579,7 @@
           <p:cNvPr id="2" name="Titel 1">
             <a:extLst>
               <a:ext uri="{FF2B5EF4-FFF2-40B4-BE49-F238E27FC236}">
-                <a16:creationId xmlns:a16="http://schemas.microsoft.com/office/drawing/2014/main" id="{A6EEC2C2-04E0-F470-6047-D32900D3FEFF}"/>
+                <a16:creationId xmlns:a16="http://schemas.microsoft.com/office/drawing/2014/main" id="{25E7A433-776C-1AA0-AA9F-AF5C29980F3D}"/>
               </a:ext>
             </a:extLst>
           </p:cNvPr>
@@ -4176,7 +4605,7 @@
                 </a:solidFill>
                 <a:latin typeface="Palatino Linotype" panose="02040502050505030304" pitchFamily="18" charset="0"/>
               </a:rPr>
-              <a:t>Ausblick</a:t>
+              <a:t>Evaluation der Ergebnisse – F1</a:t>
             </a:r>
           </a:p>
         </p:txBody>
@@ -4186,7 +4615,7 @@
           <p:cNvPr id="3" name="Inhaltsplatzhalter 2">
             <a:extLst>
               <a:ext uri="{FF2B5EF4-FFF2-40B4-BE49-F238E27FC236}">
-                <a16:creationId xmlns:a16="http://schemas.microsoft.com/office/drawing/2014/main" id="{C2EEA76E-58C8-F053-CB37-67E3346B5441}"/>
+                <a16:creationId xmlns:a16="http://schemas.microsoft.com/office/drawing/2014/main" id="{9A3C9C45-4A8F-016B-BFC9-76ACC9ACAEE9}"/>
               </a:ext>
             </a:extLst>
           </p:cNvPr>
@@ -4201,17 +4630,48 @@
         <p:txBody>
           <a:bodyPr/>
           <a:lstStyle/>
+          <a:p>
+            <a:pPr marL="0" indent="0">
+              <a:buNone/>
+            </a:pPr>
+            <a:r>
+              <a:rPr lang="de-DE" sz="2000" dirty="0">
+                <a:latin typeface="Palatino Linotype" panose="02040502050505030304" pitchFamily="18" charset="0"/>
+              </a:rPr>
+              <a:t>F1: Inwieweit kann die Nutzung IMU-basierter Verfahren die Genauigkeit der Fahrsteuerung von Low-</a:t>
+            </a:r>
+            <a:r>
+              <a:rPr lang="de-DE" sz="2000" dirty="0" err="1">
+                <a:latin typeface="Palatino Linotype" panose="02040502050505030304" pitchFamily="18" charset="0"/>
+              </a:rPr>
+              <a:t>Cost</a:t>
+            </a:r>
+            <a:r>
+              <a:rPr lang="de-DE" sz="2000" dirty="0">
+                <a:latin typeface="Palatino Linotype" panose="02040502050505030304" pitchFamily="18" charset="0"/>
+              </a:rPr>
+              <a:t>-Robotern im Vergleich zur bisherigen motorbasierten Methode verbessern?</a:t>
+            </a:r>
+          </a:p>
           <a:p>
             <a:endParaRPr lang="de-DE" dirty="0">
               <a:latin typeface="Palatino Linotype" panose="02040502050505030304" pitchFamily="18" charset="0"/>
             </a:endParaRPr>
           </a:p>
+          <a:p>
+            <a:pPr marL="0" indent="0">
+              <a:buNone/>
+            </a:pPr>
+            <a:endParaRPr lang="de-DE" dirty="0">
+              <a:latin typeface="Palatino Linotype" panose="02040502050505030304" pitchFamily="18" charset="0"/>
+            </a:endParaRPr>
+          </a:p>
         </p:txBody>
       </p:sp>
     </p:spTree>
     <p:extLst>
       <p:ext uri="{BB962C8B-B14F-4D97-AF65-F5344CB8AC3E}">
-        <p14:creationId xmlns:p14="http://schemas.microsoft.com/office/powerpoint/2010/main" val="846518222"/>
+        <p14:creationId xmlns:p14="http://schemas.microsoft.com/office/powerpoint/2010/main" val="1106460430"/>
       </p:ext>
     </p:extLst>
   </p:cSld>
@@ -4229,7 +4689,7 @@
         <p:cNvPr id="1" name="">
           <a:extLst>
             <a:ext uri="{FF2B5EF4-FFF2-40B4-BE49-F238E27FC236}">
-              <a16:creationId xmlns:a16="http://schemas.microsoft.com/office/drawing/2014/main" id="{F8FAFB55-25F7-CC82-A20E-9B93D51603A1}"/>
+              <a16:creationId xmlns:a16="http://schemas.microsoft.com/office/drawing/2014/main" id="{7D6ADABC-B1D3-769F-32D5-528EEA6EE39C}"/>
             </a:ext>
           </a:extLst>
         </p:cNvPr>
@@ -4249,7 +4709,7 @@
           <p:cNvPr id="2" name="Titel 1">
             <a:extLst>
               <a:ext uri="{FF2B5EF4-FFF2-40B4-BE49-F238E27FC236}">
-                <a16:creationId xmlns:a16="http://schemas.microsoft.com/office/drawing/2014/main" id="{F4A8C653-9F0D-EFAB-1DAA-7D459058FB17}"/>
+                <a16:creationId xmlns:a16="http://schemas.microsoft.com/office/drawing/2014/main" id="{5EA74FAF-B6DC-A8B0-594B-949975598038}"/>
               </a:ext>
             </a:extLst>
           </p:cNvPr>
@@ -4275,7 +4735,7 @@
                 </a:solidFill>
                 <a:latin typeface="Palatino Linotype" panose="02040502050505030304" pitchFamily="18" charset="0"/>
               </a:rPr>
-              <a:t>Zusammenfassung</a:t>
+              <a:t>Evaluation der Ergebnisse – F2a)</a:t>
             </a:r>
           </a:p>
         </p:txBody>
@@ -4285,7 +4745,7 @@
           <p:cNvPr id="3" name="Inhaltsplatzhalter 2">
             <a:extLst>
               <a:ext uri="{FF2B5EF4-FFF2-40B4-BE49-F238E27FC236}">
-                <a16:creationId xmlns:a16="http://schemas.microsoft.com/office/drawing/2014/main" id="{CC38766A-25A0-43EC-773B-DFE17386355D}"/>
+                <a16:creationId xmlns:a16="http://schemas.microsoft.com/office/drawing/2014/main" id="{22A8203B-0379-64B2-4E95-3A6111B85FF6}"/>
               </a:ext>
             </a:extLst>
           </p:cNvPr>
@@ -4301,6 +4761,20 @@
           <a:bodyPr/>
           <a:lstStyle/>
           <a:p>
+            <a:pPr marL="0" indent="0">
+              <a:buNone/>
+            </a:pPr>
+            <a:r>
+              <a:rPr lang="de-DE" sz="2000" dirty="0">
+                <a:latin typeface="Palatino Linotype" panose="02040502050505030304" pitchFamily="18" charset="0"/>
+              </a:rPr>
+              <a:t>a) Wie wirkt sich Drift und Rauschen auf die IMU-basierte Steuerung aus?</a:t>
+            </a:r>
+          </a:p>
+          <a:p>
+            <a:pPr marL="0" indent="0">
+              <a:buNone/>
+            </a:pPr>
             <a:endParaRPr lang="de-DE" dirty="0">
               <a:latin typeface="Palatino Linotype" panose="02040502050505030304" pitchFamily="18" charset="0"/>
             </a:endParaRPr>
@@ -4310,7 +4784,245 @@
     </p:spTree>
     <p:extLst>
       <p:ext uri="{BB962C8B-B14F-4D97-AF65-F5344CB8AC3E}">
-        <p14:creationId xmlns:p14="http://schemas.microsoft.com/office/powerpoint/2010/main" val="1061711912"/>
+        <p14:creationId xmlns:p14="http://schemas.microsoft.com/office/powerpoint/2010/main" val="3885996540"/>
+      </p:ext>
+    </p:extLst>
+  </p:cSld>
+  <p:clrMapOvr>
+    <a:masterClrMapping/>
+  </p:clrMapOvr>
+</p:sld>
+</file>
+
+<file path=ppt/slides/slide8.xml><?xml version="1.0" encoding="utf-8"?>
+<p:sld xmlns:a="http://schemas.openxmlformats.org/drawingml/2006/main" xmlns:r="http://schemas.openxmlformats.org/officeDocument/2006/relationships" xmlns:p="http://schemas.openxmlformats.org/presentationml/2006/main">
+  <p:cSld>
+    <p:spTree>
+      <p:nvGrpSpPr>
+        <p:cNvPr id="1" name="">
+          <a:extLst>
+            <a:ext uri="{FF2B5EF4-FFF2-40B4-BE49-F238E27FC236}">
+              <a16:creationId xmlns:a16="http://schemas.microsoft.com/office/drawing/2014/main" id="{CC049F41-9A08-3F1D-199E-8A2800328E64}"/>
+            </a:ext>
+          </a:extLst>
+        </p:cNvPr>
+        <p:cNvGrpSpPr/>
+        <p:nvPr/>
+      </p:nvGrpSpPr>
+      <p:grpSpPr>
+        <a:xfrm>
+          <a:off x="0" y="0"/>
+          <a:ext cx="0" cy="0"/>
+          <a:chOff x="0" y="0"/>
+          <a:chExt cx="0" cy="0"/>
+        </a:xfrm>
+      </p:grpSpPr>
+      <p:sp>
+        <p:nvSpPr>
+          <p:cNvPr id="2" name="Titel 1">
+            <a:extLst>
+              <a:ext uri="{FF2B5EF4-FFF2-40B4-BE49-F238E27FC236}">
+                <a16:creationId xmlns:a16="http://schemas.microsoft.com/office/drawing/2014/main" id="{4648D15F-6703-7D89-949C-91A792003ED1}"/>
+              </a:ext>
+            </a:extLst>
+          </p:cNvPr>
+          <p:cNvSpPr>
+            <a:spLocks noGrp="1"/>
+          </p:cNvSpPr>
+          <p:nvPr>
+            <p:ph type="title"/>
+          </p:nvPr>
+        </p:nvSpPr>
+        <p:spPr/>
+        <p:txBody>
+          <a:bodyPr/>
+          <a:lstStyle/>
+          <a:p>
+            <a:r>
+              <a:rPr lang="de-DE" dirty="0">
+                <a:solidFill>
+                  <a:schemeClr val="tx2">
+                    <a:lumMod val="75000"/>
+                    <a:lumOff val="25000"/>
+                  </a:schemeClr>
+                </a:solidFill>
+                <a:latin typeface="Palatino Linotype" panose="02040502050505030304" pitchFamily="18" charset="0"/>
+              </a:rPr>
+              <a:t>Evaluation der Ergebnisse – F2b)</a:t>
+            </a:r>
+          </a:p>
+        </p:txBody>
+      </p:sp>
+      <p:sp>
+        <p:nvSpPr>
+          <p:cNvPr id="3" name="Inhaltsplatzhalter 2">
+            <a:extLst>
+              <a:ext uri="{FF2B5EF4-FFF2-40B4-BE49-F238E27FC236}">
+                <a16:creationId xmlns:a16="http://schemas.microsoft.com/office/drawing/2014/main" id="{44D07791-04AF-E842-B914-BD1BA18BC8B1}"/>
+              </a:ext>
+            </a:extLst>
+          </p:cNvPr>
+          <p:cNvSpPr>
+            <a:spLocks noGrp="1"/>
+          </p:cNvSpPr>
+          <p:nvPr>
+            <p:ph idx="1"/>
+          </p:nvPr>
+        </p:nvSpPr>
+        <p:spPr/>
+        <p:txBody>
+          <a:bodyPr/>
+          <a:lstStyle/>
+          <a:p>
+            <a:pPr marL="0" indent="0">
+              <a:buNone/>
+            </a:pPr>
+            <a:r>
+              <a:rPr lang="de-DE" sz="2000" dirty="0">
+                <a:latin typeface="Palatino Linotype" panose="02040502050505030304" pitchFamily="18" charset="0"/>
+              </a:rPr>
+              <a:t>b) Wie können diese Messfehler durch Kalibrierung und Filtermethoden minimiert werden?</a:t>
+            </a:r>
+          </a:p>
+          <a:p>
+            <a:pPr marL="0" indent="0">
+              <a:buNone/>
+            </a:pPr>
+            <a:endParaRPr lang="de-DE" dirty="0">
+              <a:latin typeface="Palatino Linotype" panose="02040502050505030304" pitchFamily="18" charset="0"/>
+            </a:endParaRPr>
+          </a:p>
+        </p:txBody>
+      </p:sp>
+    </p:spTree>
+    <p:extLst>
+      <p:ext uri="{BB962C8B-B14F-4D97-AF65-F5344CB8AC3E}">
+        <p14:creationId xmlns:p14="http://schemas.microsoft.com/office/powerpoint/2010/main" val="653776764"/>
+      </p:ext>
+    </p:extLst>
+  </p:cSld>
+  <p:clrMapOvr>
+    <a:masterClrMapping/>
+  </p:clrMapOvr>
+</p:sld>
+</file>
+
+<file path=ppt/slides/slide9.xml><?xml version="1.0" encoding="utf-8"?>
+<p:sld xmlns:a="http://schemas.openxmlformats.org/drawingml/2006/main" xmlns:r="http://schemas.openxmlformats.org/officeDocument/2006/relationships" xmlns:p="http://schemas.openxmlformats.org/presentationml/2006/main">
+  <p:cSld>
+    <p:spTree>
+      <p:nvGrpSpPr>
+        <p:cNvPr id="1" name="">
+          <a:extLst>
+            <a:ext uri="{FF2B5EF4-FFF2-40B4-BE49-F238E27FC236}">
+              <a16:creationId xmlns:a16="http://schemas.microsoft.com/office/drawing/2014/main" id="{E3EFC3DC-39AA-13DC-F777-5AEBE5A2A3E0}"/>
+            </a:ext>
+          </a:extLst>
+        </p:cNvPr>
+        <p:cNvGrpSpPr/>
+        <p:nvPr/>
+      </p:nvGrpSpPr>
+      <p:grpSpPr>
+        <a:xfrm>
+          <a:off x="0" y="0"/>
+          <a:ext cx="0" cy="0"/>
+          <a:chOff x="0" y="0"/>
+          <a:chExt cx="0" cy="0"/>
+        </a:xfrm>
+      </p:grpSpPr>
+      <p:sp>
+        <p:nvSpPr>
+          <p:cNvPr id="2" name="Titel 1">
+            <a:extLst>
+              <a:ext uri="{FF2B5EF4-FFF2-40B4-BE49-F238E27FC236}">
+                <a16:creationId xmlns:a16="http://schemas.microsoft.com/office/drawing/2014/main" id="{F50D8BDF-3AFC-9B47-1BCC-66BECB514B7A}"/>
+              </a:ext>
+            </a:extLst>
+          </p:cNvPr>
+          <p:cNvSpPr>
+            <a:spLocks noGrp="1"/>
+          </p:cNvSpPr>
+          <p:nvPr>
+            <p:ph type="title"/>
+          </p:nvPr>
+        </p:nvSpPr>
+        <p:spPr/>
+        <p:txBody>
+          <a:bodyPr/>
+          <a:lstStyle/>
+          <a:p>
+            <a:r>
+              <a:rPr lang="de-DE" dirty="0">
+                <a:solidFill>
+                  <a:schemeClr val="tx2">
+                    <a:lumMod val="75000"/>
+                    <a:lumOff val="25000"/>
+                  </a:schemeClr>
+                </a:solidFill>
+                <a:latin typeface="Palatino Linotype" panose="02040502050505030304" pitchFamily="18" charset="0"/>
+              </a:rPr>
+              <a:t>Evaluation der Ergebnisse</a:t>
+            </a:r>
+          </a:p>
+        </p:txBody>
+      </p:sp>
+      <p:sp>
+        <p:nvSpPr>
+          <p:cNvPr id="3" name="Inhaltsplatzhalter 2">
+            <a:extLst>
+              <a:ext uri="{FF2B5EF4-FFF2-40B4-BE49-F238E27FC236}">
+                <a16:creationId xmlns:a16="http://schemas.microsoft.com/office/drawing/2014/main" id="{D738BAA5-121B-11F1-DBC6-5EAF1783EE84}"/>
+              </a:ext>
+            </a:extLst>
+          </p:cNvPr>
+          <p:cNvSpPr>
+            <a:spLocks noGrp="1"/>
+          </p:cNvSpPr>
+          <p:nvPr>
+            <p:ph idx="1"/>
+          </p:nvPr>
+        </p:nvSpPr>
+        <p:spPr/>
+        <p:txBody>
+          <a:bodyPr/>
+          <a:lstStyle/>
+          <a:p>
+            <a:pPr marL="0" indent="0">
+              <a:buNone/>
+            </a:pPr>
+            <a:r>
+              <a:rPr lang="de-DE" sz="2000" dirty="0">
+                <a:latin typeface="Palatino Linotype" panose="02040502050505030304" pitchFamily="18" charset="0"/>
+              </a:rPr>
+              <a:t>F3: Kann der </a:t>
+            </a:r>
+            <a:r>
+              <a:rPr lang="de-DE" sz="2000" dirty="0" err="1">
+                <a:latin typeface="Palatino Linotype" panose="02040502050505030304" pitchFamily="18" charset="0"/>
+              </a:rPr>
+              <a:t>Madgwick</a:t>
+            </a:r>
+            <a:r>
+              <a:rPr lang="de-DE" sz="2000" dirty="0">
+                <a:latin typeface="Palatino Linotype" panose="02040502050505030304" pitchFamily="18" charset="0"/>
+              </a:rPr>
+              <a:t>-Algorithmus in Echtzeit präzise Kurskorrekturen durchführen und dabei eine höhere Steuerungsgenauigkeit als die reine Integration der IMU-Daten erreichen, ohne die Bewegungen des Roboters signifikant zu verlangsamen?</a:t>
+            </a:r>
+          </a:p>
+          <a:p>
+            <a:pPr marL="0" indent="0">
+              <a:buNone/>
+            </a:pPr>
+            <a:endParaRPr lang="de-DE" dirty="0">
+              <a:latin typeface="Palatino Linotype" panose="02040502050505030304" pitchFamily="18" charset="0"/>
+            </a:endParaRPr>
+          </a:p>
+        </p:txBody>
+      </p:sp>
+    </p:spTree>
+    <p:extLst>
+      <p:ext uri="{BB962C8B-B14F-4D97-AF65-F5344CB8AC3E}">
+        <p14:creationId xmlns:p14="http://schemas.microsoft.com/office/powerpoint/2010/main" val="2211673438"/>
       </p:ext>
     </p:extLst>
   </p:cSld>
